--- a/src/activity4/Novel model consept.pptx
+++ b/src/activity4/Novel model consept.pptx
@@ -290,7 +290,7 @@
           <a:p>
             <a:fld id="{85336C14-EB2D-4778-A48B-97E47E2FD4B0}" type="datetimeFigureOut">
               <a:rPr lang="en-GB" smtClean="0"/>
-              <a:t>19/06/2025</a:t>
+              <a:t>27/06/2025</a:t>
             </a:fld>
             <a:endParaRPr lang="en-GB"/>
           </a:p>
@@ -490,7 +490,7 @@
           <a:p>
             <a:fld id="{85336C14-EB2D-4778-A48B-97E47E2FD4B0}" type="datetimeFigureOut">
               <a:rPr lang="en-GB" smtClean="0"/>
-              <a:t>19/06/2025</a:t>
+              <a:t>27/06/2025</a:t>
             </a:fld>
             <a:endParaRPr lang="en-GB"/>
           </a:p>
@@ -700,7 +700,7 @@
           <a:p>
             <a:fld id="{85336C14-EB2D-4778-A48B-97E47E2FD4B0}" type="datetimeFigureOut">
               <a:rPr lang="en-GB" smtClean="0"/>
-              <a:t>19/06/2025</a:t>
+              <a:t>27/06/2025</a:t>
             </a:fld>
             <a:endParaRPr lang="en-GB"/>
           </a:p>
@@ -900,7 +900,7 @@
           <a:p>
             <a:fld id="{85336C14-EB2D-4778-A48B-97E47E2FD4B0}" type="datetimeFigureOut">
               <a:rPr lang="en-GB" smtClean="0"/>
-              <a:t>19/06/2025</a:t>
+              <a:t>27/06/2025</a:t>
             </a:fld>
             <a:endParaRPr lang="en-GB"/>
           </a:p>
@@ -1176,7 +1176,7 @@
           <a:p>
             <a:fld id="{85336C14-EB2D-4778-A48B-97E47E2FD4B0}" type="datetimeFigureOut">
               <a:rPr lang="en-GB" smtClean="0"/>
-              <a:t>19/06/2025</a:t>
+              <a:t>27/06/2025</a:t>
             </a:fld>
             <a:endParaRPr lang="en-GB"/>
           </a:p>
@@ -1444,7 +1444,7 @@
           <a:p>
             <a:fld id="{85336C14-EB2D-4778-A48B-97E47E2FD4B0}" type="datetimeFigureOut">
               <a:rPr lang="en-GB" smtClean="0"/>
-              <a:t>19/06/2025</a:t>
+              <a:t>27/06/2025</a:t>
             </a:fld>
             <a:endParaRPr lang="en-GB"/>
           </a:p>
@@ -1859,7 +1859,7 @@
           <a:p>
             <a:fld id="{85336C14-EB2D-4778-A48B-97E47E2FD4B0}" type="datetimeFigureOut">
               <a:rPr lang="en-GB" smtClean="0"/>
-              <a:t>19/06/2025</a:t>
+              <a:t>27/06/2025</a:t>
             </a:fld>
             <a:endParaRPr lang="en-GB"/>
           </a:p>
@@ -2001,7 +2001,7 @@
           <a:p>
             <a:fld id="{85336C14-EB2D-4778-A48B-97E47E2FD4B0}" type="datetimeFigureOut">
               <a:rPr lang="en-GB" smtClean="0"/>
-              <a:t>19/06/2025</a:t>
+              <a:t>27/06/2025</a:t>
             </a:fld>
             <a:endParaRPr lang="en-GB"/>
           </a:p>
@@ -2114,7 +2114,7 @@
           <a:p>
             <a:fld id="{85336C14-EB2D-4778-A48B-97E47E2FD4B0}" type="datetimeFigureOut">
               <a:rPr lang="en-GB" smtClean="0"/>
-              <a:t>19/06/2025</a:t>
+              <a:t>27/06/2025</a:t>
             </a:fld>
             <a:endParaRPr lang="en-GB"/>
           </a:p>
@@ -2427,7 +2427,7 @@
           <a:p>
             <a:fld id="{85336C14-EB2D-4778-A48B-97E47E2FD4B0}" type="datetimeFigureOut">
               <a:rPr lang="en-GB" smtClean="0"/>
-              <a:t>19/06/2025</a:t>
+              <a:t>27/06/2025</a:t>
             </a:fld>
             <a:endParaRPr lang="en-GB"/>
           </a:p>
@@ -2716,7 +2716,7 @@
           <a:p>
             <a:fld id="{85336C14-EB2D-4778-A48B-97E47E2FD4B0}" type="datetimeFigureOut">
               <a:rPr lang="en-GB" smtClean="0"/>
-              <a:t>19/06/2025</a:t>
+              <a:t>27/06/2025</a:t>
             </a:fld>
             <a:endParaRPr lang="en-GB"/>
           </a:p>
@@ -2959,7 +2959,7 @@
           <a:p>
             <a:fld id="{85336C14-EB2D-4778-A48B-97E47E2FD4B0}" type="datetimeFigureOut">
               <a:rPr lang="en-GB" smtClean="0"/>
-              <a:t>19/06/2025</a:t>
+              <a:t>27/06/2025</a:t>
             </a:fld>
             <a:endParaRPr lang="en-GB"/>
           </a:p>
@@ -3407,6 +3407,9 @@
             <a:pPr algn="l"/>
             <a:r>
               <a:rPr lang="en-GB" sz="2800" b="1" dirty="0">
+                <a:solidFill>
+                  <a:srgbClr val="7030A0"/>
+                </a:solidFill>
                 <a:latin typeface="Segoe UI Bold" panose="020B0802040204020203" pitchFamily="34" charset="0"/>
                 <a:ea typeface="Calibri Bold" panose="020F0702030404030204" pitchFamily="34" charset="0"/>
                 <a:cs typeface="Segoe UI Bold" panose="020B0802040204020203" pitchFamily="34" charset="0"/>
@@ -3434,7 +3437,7 @@
         </p:nvSpPr>
         <p:spPr>
           <a:xfrm>
-            <a:off x="51459" y="540327"/>
+            <a:off x="51459" y="449499"/>
             <a:ext cx="7279574" cy="420770"/>
           </a:xfrm>
         </p:spPr>
@@ -3447,6 +3450,11 @@
             <a:pPr algn="l"/>
             <a:r>
               <a:rPr lang="en-GB" sz="1600" b="1" dirty="0">
+                <a:solidFill>
+                  <a:schemeClr val="bg1">
+                    <a:lumMod val="50000"/>
+                  </a:schemeClr>
+                </a:solidFill>
                 <a:latin typeface="Segoe UI Bold" panose="020B0802040204020203" pitchFamily="34" charset="0"/>
                 <a:cs typeface="Segoe UI Bold" panose="020B0802040204020203" pitchFamily="34" charset="0"/>
               </a:rPr>
@@ -4427,9 +4435,12 @@
           <a:p>
             <a:r>
               <a:rPr lang="fr-FR" sz="2800" b="1" dirty="0">
-                <a:latin typeface="Calibri" panose="020F0502020204030204" pitchFamily="34" charset="0"/>
+                <a:solidFill>
+                  <a:schemeClr val="accent2"/>
+                </a:solidFill>
+                <a:latin typeface="Segoe UI Bold" panose="020B0802040204020203" pitchFamily="34" charset="0"/>
                 <a:ea typeface="Calibri" panose="020F0502020204030204" pitchFamily="34" charset="0"/>
-                <a:cs typeface="Calibri" panose="020F0502020204030204" pitchFamily="34" charset="0"/>
+                <a:cs typeface="Segoe UI Bold" panose="020B0802040204020203" pitchFamily="34" charset="0"/>
               </a:rPr>
               <a:t>Slide 2: Structural Changes &amp; Implementation</a:t>
             </a:r>
@@ -4848,7 +4859,7 @@
         </p:nvSpPr>
         <p:spPr>
           <a:xfrm>
-            <a:off x="0" y="523144"/>
+            <a:off x="0" y="400822"/>
             <a:ext cx="8156448" cy="420770"/>
           </a:xfrm>
           <a:prstGeom prst="rect">
@@ -5029,9 +5040,14 @@
             </a:pPr>
             <a:r>
               <a:rPr lang="en-GB" sz="1600" b="1" dirty="0">
-                <a:latin typeface="Calibri" panose="020F0502020204030204" pitchFamily="34" charset="0"/>
+                <a:solidFill>
+                  <a:schemeClr val="bg1">
+                    <a:lumMod val="50000"/>
+                  </a:schemeClr>
+                </a:solidFill>
+                <a:latin typeface="Segoe UI Bold" panose="020B0802040204020203" pitchFamily="34" charset="0"/>
                 <a:ea typeface="Calibri" panose="020F0502020204030204" pitchFamily="34" charset="0"/>
-                <a:cs typeface="Calibri" panose="020F0502020204030204" pitchFamily="34" charset="0"/>
+                <a:cs typeface="Segoe UI Bold" panose="020B0802040204020203" pitchFamily="34" charset="0"/>
               </a:rPr>
               <a:t>Title: System Architecture Evolution from Release 2.0 to 2.1</a:t>
             </a:r>
@@ -5396,7 +5412,7 @@
         </p:nvSpPr>
         <p:spPr>
           <a:xfrm>
-            <a:off x="0" y="746990"/>
+            <a:off x="0" y="646054"/>
             <a:ext cx="8156448" cy="420770"/>
           </a:xfrm>
           <a:prstGeom prst="rect">
@@ -5577,9 +5593,14 @@
             </a:pPr>
             <a:r>
               <a:rPr lang="en-GB" sz="1600" b="1" dirty="0">
-                <a:latin typeface="Calibri" panose="020F0502020204030204" pitchFamily="34" charset="0"/>
+                <a:solidFill>
+                  <a:schemeClr val="bg1">
+                    <a:lumMod val="50000"/>
+                  </a:schemeClr>
+                </a:solidFill>
+                <a:latin typeface="Segoe UI Bold" panose="020B0802040204020203" pitchFamily="34" charset="0"/>
                 <a:ea typeface="Calibri" panose="020F0502020204030204" pitchFamily="34" charset="0"/>
-                <a:cs typeface="Calibri" panose="020F0502020204030204" pitchFamily="34" charset="0"/>
+                <a:cs typeface="Segoe UI Bold" panose="020B0802040204020203" pitchFamily="34" charset="0"/>
               </a:rPr>
               <a:t>New components added:</a:t>
             </a:r>
@@ -6524,6 +6545,9 @@
           <a:p>
             <a:r>
               <a:rPr lang="en-GB" sz="2800" dirty="0">
+                <a:solidFill>
+                  <a:srgbClr val="C00000"/>
+                </a:solidFill>
                 <a:latin typeface="Segoe UI Bold" panose="020B0802040204020203" pitchFamily="34" charset="0"/>
                 <a:cs typeface="Segoe UI Bold" panose="020B0802040204020203" pitchFamily="34" charset="0"/>
               </a:rPr>
@@ -6548,7 +6572,7 @@
         </p:nvSpPr>
         <p:spPr>
           <a:xfrm>
-            <a:off x="0" y="540720"/>
+            <a:off x="0" y="475107"/>
             <a:ext cx="5213270" cy="420770"/>
           </a:xfrm>
           <a:prstGeom prst="rect">
@@ -6729,6 +6753,11 @@
             </a:pPr>
             <a:r>
               <a:rPr lang="en-GB" sz="1600" dirty="0">
+                <a:solidFill>
+                  <a:schemeClr val="bg1">
+                    <a:lumMod val="50000"/>
+                  </a:schemeClr>
+                </a:solidFill>
                 <a:latin typeface="Segoe UI Bold" panose="020B0802040204020203" pitchFamily="34" charset="0"/>
                 <a:cs typeface="Segoe UI Bold" panose="020B0802040204020203" pitchFamily="34" charset="0"/>
               </a:rPr>
